--- a/Slides/Agentic AI and Linting.pptx
+++ b/Slides/Agentic AI and Linting.pptx
@@ -6,11 +6,13 @@
   </p:sldMasterIdLst>
   <p:sldIdLst>
     <p:sldId id="256" r:id="rId2"/>
-    <p:sldId id="413" r:id="rId3"/>
-    <p:sldId id="424" r:id="rId4"/>
-    <p:sldId id="423" r:id="rId5"/>
-    <p:sldId id="422" r:id="rId6"/>
-    <p:sldId id="425" r:id="rId7"/>
+    <p:sldId id="426" r:id="rId3"/>
+    <p:sldId id="285" r:id="rId4"/>
+    <p:sldId id="413" r:id="rId5"/>
+    <p:sldId id="424" r:id="rId6"/>
+    <p:sldId id="423" r:id="rId7"/>
+    <p:sldId id="422" r:id="rId8"/>
+    <p:sldId id="425" r:id="rId9"/>
   </p:sldIdLst>
   <p:sldSz cx="12192000" cy="6858000"/>
   <p:notesSz cx="6858000" cy="9144000"/>
@@ -3417,6 +3419,648 @@
 </file>
 
 <file path=ppt/slides/slide2.xml><?xml version="1.0" encoding="utf-8"?>
+<p:sld xmlns:a="http://schemas.openxmlformats.org/drawingml/2006/main" xmlns:r="http://schemas.openxmlformats.org/officeDocument/2006/relationships" xmlns:p="http://schemas.openxmlformats.org/presentationml/2006/main">
+  <p:cSld>
+    <p:spTree>
+      <p:nvGrpSpPr>
+        <p:cNvPr id="1" name=""/>
+        <p:cNvGrpSpPr/>
+        <p:nvPr/>
+      </p:nvGrpSpPr>
+      <p:grpSpPr>
+        <a:xfrm>
+          <a:off x="0" y="0"/>
+          <a:ext cx="0" cy="0"/>
+          <a:chOff x="0" y="0"/>
+          <a:chExt cx="0" cy="0"/>
+        </a:xfrm>
+      </p:grpSpPr>
+      <p:sp>
+        <p:nvSpPr>
+          <p:cNvPr id="4" name="TextBox 3">
+            <a:extLst>
+              <a:ext uri="{FF2B5EF4-FFF2-40B4-BE49-F238E27FC236}">
+                <a16:creationId xmlns:a16="http://schemas.microsoft.com/office/drawing/2014/main" id="{26CBB8CB-6D77-0A56-678A-18F93EAA339C}"/>
+              </a:ext>
+            </a:extLst>
+          </p:cNvPr>
+          <p:cNvSpPr txBox="1"/>
+          <p:nvPr/>
+        </p:nvSpPr>
+        <p:spPr>
+          <a:xfrm>
+            <a:off x="4190161" y="3244334"/>
+            <a:ext cx="3265715" cy="369332"/>
+          </a:xfrm>
+          <a:prstGeom prst="rect">
+            <a:avLst/>
+          </a:prstGeom>
+          <a:noFill/>
+        </p:spPr>
+        <p:txBody>
+          <a:bodyPr wrap="square">
+            <a:spAutoFit/>
+          </a:bodyPr>
+          <a:lstStyle/>
+          <a:p>
+            <a:pPr algn="ctr"/>
+            <a:r>
+              <a:rPr lang="en-US" b="1" dirty="0"/>
+              <a:t>124 lint errors detected</a:t>
+            </a:r>
+          </a:p>
+        </p:txBody>
+      </p:sp>
+    </p:spTree>
+    <p:extLst>
+      <p:ext uri="{BB962C8B-B14F-4D97-AF65-F5344CB8AC3E}">
+        <p14:creationId xmlns:p14="http://schemas.microsoft.com/office/powerpoint/2010/main" val="2602168875"/>
+      </p:ext>
+    </p:extLst>
+  </p:cSld>
+  <p:clrMapOvr>
+    <a:masterClrMapping/>
+  </p:clrMapOvr>
+</p:sld>
+</file>
+
+<file path=ppt/slides/slide3.xml><?xml version="1.0" encoding="utf-8"?>
+<p:sld xmlns:a="http://schemas.openxmlformats.org/drawingml/2006/main" xmlns:r="http://schemas.openxmlformats.org/officeDocument/2006/relationships" xmlns:p="http://schemas.openxmlformats.org/presentationml/2006/main">
+  <p:cSld>
+    <p:spTree>
+      <p:nvGrpSpPr>
+        <p:cNvPr id="1" name="">
+          <a:extLst>
+            <a:ext uri="{FF2B5EF4-FFF2-40B4-BE49-F238E27FC236}">
+              <a16:creationId xmlns:a16="http://schemas.microsoft.com/office/drawing/2014/main" id="{A19925E1-29FC-1627-5EA1-5BED1E03B050}"/>
+            </a:ext>
+          </a:extLst>
+        </p:cNvPr>
+        <p:cNvGrpSpPr/>
+        <p:nvPr/>
+      </p:nvGrpSpPr>
+      <p:grpSpPr>
+        <a:xfrm>
+          <a:off x="0" y="0"/>
+          <a:ext cx="0" cy="0"/>
+          <a:chOff x="0" y="0"/>
+          <a:chExt cx="0" cy="0"/>
+        </a:xfrm>
+      </p:grpSpPr>
+      <p:sp>
+        <p:nvSpPr>
+          <p:cNvPr id="2" name="TextBox 1">
+            <a:extLst>
+              <a:ext uri="{FF2B5EF4-FFF2-40B4-BE49-F238E27FC236}">
+                <a16:creationId xmlns:a16="http://schemas.microsoft.com/office/drawing/2014/main" id="{F54647C9-24F2-8426-1A8A-8AF9606D0211}"/>
+              </a:ext>
+            </a:extLst>
+          </p:cNvPr>
+          <p:cNvSpPr txBox="1"/>
+          <p:nvPr/>
+        </p:nvSpPr>
+        <p:spPr>
+          <a:xfrm>
+            <a:off x="2403540" y="3044279"/>
+            <a:ext cx="7473192" cy="769441"/>
+          </a:xfrm>
+          <a:prstGeom prst="rect">
+            <a:avLst/>
+          </a:prstGeom>
+          <a:noFill/>
+        </p:spPr>
+        <p:txBody>
+          <a:bodyPr wrap="square" rtlCol="0">
+            <a:spAutoFit/>
+          </a:bodyPr>
+          <a:lstStyle/>
+          <a:p>
+            <a:pPr algn="ctr"/>
+            <a:r>
+              <a:rPr lang="en-US" sz="4400" dirty="0"/>
+              <a:t>Script Deterministic</a:t>
+            </a:r>
+          </a:p>
+        </p:txBody>
+      </p:sp>
+      <p:cxnSp>
+        <p:nvCxnSpPr>
+          <p:cNvPr id="4" name="Straight Connector 3">
+            <a:extLst>
+              <a:ext uri="{FF2B5EF4-FFF2-40B4-BE49-F238E27FC236}">
+                <a16:creationId xmlns:a16="http://schemas.microsoft.com/office/drawing/2014/main" id="{D5476F90-76E8-127F-8644-267B70D89D3B}"/>
+              </a:ext>
+            </a:extLst>
+          </p:cNvPr>
+          <p:cNvCxnSpPr/>
+          <p:nvPr/>
+        </p:nvCxnSpPr>
+        <p:spPr>
+          <a:xfrm>
+            <a:off x="0" y="2630078"/>
+            <a:ext cx="12192000" cy="0"/>
+          </a:xfrm>
+          <a:prstGeom prst="line">
+            <a:avLst/>
+          </a:prstGeom>
+        </p:spPr>
+        <p:style>
+          <a:lnRef idx="2">
+            <a:schemeClr val="accent1"/>
+          </a:lnRef>
+          <a:fillRef idx="0">
+            <a:schemeClr val="accent1"/>
+          </a:fillRef>
+          <a:effectRef idx="1">
+            <a:schemeClr val="accent1"/>
+          </a:effectRef>
+          <a:fontRef idx="minor">
+            <a:schemeClr val="tx1"/>
+          </a:fontRef>
+        </p:style>
+      </p:cxnSp>
+      <p:cxnSp>
+        <p:nvCxnSpPr>
+          <p:cNvPr id="5" name="Straight Connector 4">
+            <a:extLst>
+              <a:ext uri="{FF2B5EF4-FFF2-40B4-BE49-F238E27FC236}">
+                <a16:creationId xmlns:a16="http://schemas.microsoft.com/office/drawing/2014/main" id="{592D9DCE-05A7-C9EB-C22F-84D5705CD490}"/>
+              </a:ext>
+            </a:extLst>
+          </p:cNvPr>
+          <p:cNvCxnSpPr/>
+          <p:nvPr/>
+        </p:nvCxnSpPr>
+        <p:spPr>
+          <a:xfrm>
+            <a:off x="-1" y="4177645"/>
+            <a:ext cx="12192000" cy="0"/>
+          </a:xfrm>
+          <a:prstGeom prst="line">
+            <a:avLst/>
+          </a:prstGeom>
+        </p:spPr>
+        <p:style>
+          <a:lnRef idx="2">
+            <a:schemeClr val="accent1"/>
+          </a:lnRef>
+          <a:fillRef idx="0">
+            <a:schemeClr val="accent1"/>
+          </a:fillRef>
+          <a:effectRef idx="1">
+            <a:schemeClr val="accent1"/>
+          </a:effectRef>
+          <a:fontRef idx="minor">
+            <a:schemeClr val="tx1"/>
+          </a:fontRef>
+        </p:style>
+      </p:cxnSp>
+      <p:sp>
+        <p:nvSpPr>
+          <p:cNvPr id="6" name="TextBox 5">
+            <a:extLst>
+              <a:ext uri="{FF2B5EF4-FFF2-40B4-BE49-F238E27FC236}">
+                <a16:creationId xmlns:a16="http://schemas.microsoft.com/office/drawing/2014/main" id="{5F561800-32AC-64ED-8B4A-37223F6239E5}"/>
+              </a:ext>
+            </a:extLst>
+          </p:cNvPr>
+          <p:cNvSpPr txBox="1"/>
+          <p:nvPr/>
+        </p:nvSpPr>
+        <p:spPr>
+          <a:xfrm>
+            <a:off x="2245663" y="2168413"/>
+            <a:ext cx="747320" cy="461665"/>
+          </a:xfrm>
+          <a:prstGeom prst="rect">
+            <a:avLst/>
+          </a:prstGeom>
+          <a:noFill/>
+        </p:spPr>
+        <p:txBody>
+          <a:bodyPr wrap="none" rtlCol="0">
+            <a:spAutoFit/>
+          </a:bodyPr>
+          <a:lstStyle/>
+          <a:p>
+            <a:r>
+              <a:rPr lang="en-US" sz="2400" dirty="0">
+                <a:latin typeface="Freestyle Script" panose="030804020302050B0404" pitchFamily="66" charset="77"/>
+                <a:cs typeface="Charmonman" pitchFamily="2" charset="-34"/>
+              </a:rPr>
+              <a:t>concept</a:t>
+            </a:r>
+          </a:p>
+        </p:txBody>
+      </p:sp>
+      <p:pic>
+        <p:nvPicPr>
+          <p:cNvPr id="9" name="Picture 8">
+            <a:extLst>
+              <a:ext uri="{FF2B5EF4-FFF2-40B4-BE49-F238E27FC236}">
+                <a16:creationId xmlns:a16="http://schemas.microsoft.com/office/drawing/2014/main" id="{7B352692-3C0F-955D-62F3-CBD178E943B2}"/>
+              </a:ext>
+            </a:extLst>
+          </p:cNvPr>
+          <p:cNvPicPr>
+            <a:picLocks noChangeAspect="1"/>
+          </p:cNvPicPr>
+          <p:nvPr/>
+        </p:nvPicPr>
+        <p:blipFill>
+          <a:blip r:embed="rId2"/>
+          <a:stretch>
+            <a:fillRect/>
+          </a:stretch>
+        </p:blipFill>
+        <p:spPr>
+          <a:xfrm>
+            <a:off x="5231050" y="4605602"/>
+            <a:ext cx="1488116" cy="1412577"/>
+          </a:xfrm>
+          <a:prstGeom prst="rect">
+            <a:avLst/>
+          </a:prstGeom>
+        </p:spPr>
+      </p:pic>
+      <p:sp>
+        <p:nvSpPr>
+          <p:cNvPr id="8" name="TextBox 7">
+            <a:extLst>
+              <a:ext uri="{FF2B5EF4-FFF2-40B4-BE49-F238E27FC236}">
+                <a16:creationId xmlns:a16="http://schemas.microsoft.com/office/drawing/2014/main" id="{A14E0972-30CB-35D3-3202-177E91839C2B}"/>
+              </a:ext>
+            </a:extLst>
+          </p:cNvPr>
+          <p:cNvSpPr txBox="1"/>
+          <p:nvPr/>
+        </p:nvSpPr>
+        <p:spPr>
+          <a:xfrm>
+            <a:off x="6335615" y="4585618"/>
+            <a:ext cx="904415" cy="461665"/>
+          </a:xfrm>
+          <a:prstGeom prst="rect">
+            <a:avLst/>
+          </a:prstGeom>
+          <a:noFill/>
+        </p:spPr>
+        <p:txBody>
+          <a:bodyPr wrap="none" rtlCol="0">
+            <a:spAutoFit/>
+          </a:bodyPr>
+          <a:lstStyle/>
+          <a:p>
+            <a:r>
+              <a:rPr lang="en-US" sz="2400" dirty="0">
+                <a:latin typeface="Freestyle Script" panose="030804020302050B0404" pitchFamily="66" charset="77"/>
+                <a:cs typeface="Charmonman" pitchFamily="2" charset="-34"/>
+              </a:rPr>
+              <a:t>Focus AI</a:t>
+            </a:r>
+          </a:p>
+        </p:txBody>
+      </p:sp>
+      <p:sp>
+        <p:nvSpPr>
+          <p:cNvPr id="7" name="Right Arrow 6">
+            <a:extLst>
+              <a:ext uri="{FF2B5EF4-FFF2-40B4-BE49-F238E27FC236}">
+                <a16:creationId xmlns:a16="http://schemas.microsoft.com/office/drawing/2014/main" id="{9EC19012-5C15-C456-8BBD-BBE1A91912D4}"/>
+              </a:ext>
+            </a:extLst>
+          </p:cNvPr>
+          <p:cNvSpPr/>
+          <p:nvPr/>
+        </p:nvSpPr>
+        <p:spPr>
+          <a:xfrm>
+            <a:off x="6931657" y="4995367"/>
+            <a:ext cx="432079" cy="633046"/>
+          </a:xfrm>
+          <a:prstGeom prst="rightArrow">
+            <a:avLst/>
+          </a:prstGeom>
+          <a:solidFill>
+            <a:schemeClr val="bg1">
+              <a:lumMod val="95000"/>
+            </a:schemeClr>
+          </a:solidFill>
+        </p:spPr>
+        <p:style>
+          <a:lnRef idx="2">
+            <a:schemeClr val="accent1">
+              <a:shade val="15000"/>
+            </a:schemeClr>
+          </a:lnRef>
+          <a:fillRef idx="1">
+            <a:schemeClr val="accent1"/>
+          </a:fillRef>
+          <a:effectRef idx="0">
+            <a:schemeClr val="accent1"/>
+          </a:effectRef>
+          <a:fontRef idx="minor">
+            <a:schemeClr val="lt1"/>
+          </a:fontRef>
+        </p:style>
+        <p:txBody>
+          <a:bodyPr rtlCol="0" anchor="ctr"/>
+          <a:lstStyle/>
+          <a:p>
+            <a:pPr algn="ctr"/>
+            <a:endParaRPr lang="en-US"/>
+          </a:p>
+        </p:txBody>
+      </p:sp>
+      <p:pic>
+        <p:nvPicPr>
+          <p:cNvPr id="3074" name="Picture 2" descr="Script Generic Detailed Outline icon | Freepik">
+            <a:extLst>
+              <a:ext uri="{FF2B5EF4-FFF2-40B4-BE49-F238E27FC236}">
+                <a16:creationId xmlns:a16="http://schemas.microsoft.com/office/drawing/2014/main" id="{4A439076-4252-7A77-E27D-DF5717FA5789}"/>
+              </a:ext>
+            </a:extLst>
+          </p:cNvPr>
+          <p:cNvPicPr>
+            <a:picLocks noChangeAspect="1" noChangeArrowheads="1"/>
+          </p:cNvPicPr>
+          <p:nvPr/>
+        </p:nvPicPr>
+        <p:blipFill>
+          <a:blip r:embed="rId3">
+            <a:extLst>
+              <a:ext uri="{28A0092B-C50C-407E-A947-70E740481C1C}">
+                <a14:useLocalDpi xmlns:a14="http://schemas.microsoft.com/office/drawing/2010/main" val="0"/>
+              </a:ext>
+            </a:extLst>
+          </a:blip>
+          <a:srcRect/>
+          <a:stretch>
+            <a:fillRect/>
+          </a:stretch>
+        </p:blipFill>
+        <p:spPr bwMode="auto">
+          <a:xfrm>
+            <a:off x="3344194" y="4796993"/>
+            <a:ext cx="1029795" cy="1029795"/>
+          </a:xfrm>
+          <a:prstGeom prst="rect">
+            <a:avLst/>
+          </a:prstGeom>
+          <a:noFill/>
+          <a:extLst>
+            <a:ext uri="{909E8E84-426E-40DD-AFC4-6F175D3DCCD1}">
+              <a14:hiddenFill xmlns:a14="http://schemas.microsoft.com/office/drawing/2010/main">
+                <a:solidFill>
+                  <a:srgbClr val="FFFFFF"/>
+                </a:solidFill>
+              </a14:hiddenFill>
+            </a:ext>
+          </a:extLst>
+        </p:spPr>
+      </p:pic>
+      <p:sp>
+        <p:nvSpPr>
+          <p:cNvPr id="10" name="Right Arrow 9">
+            <a:extLst>
+              <a:ext uri="{FF2B5EF4-FFF2-40B4-BE49-F238E27FC236}">
+                <a16:creationId xmlns:a16="http://schemas.microsoft.com/office/drawing/2014/main" id="{3D4A4397-B287-D6B2-3610-28818259A2ED}"/>
+              </a:ext>
+            </a:extLst>
+          </p:cNvPr>
+          <p:cNvSpPr/>
+          <p:nvPr/>
+        </p:nvSpPr>
+        <p:spPr>
+          <a:xfrm>
+            <a:off x="4586480" y="4995367"/>
+            <a:ext cx="432079" cy="633046"/>
+          </a:xfrm>
+          <a:prstGeom prst="rightArrow">
+            <a:avLst/>
+          </a:prstGeom>
+          <a:solidFill>
+            <a:schemeClr val="bg1">
+              <a:lumMod val="95000"/>
+            </a:schemeClr>
+          </a:solidFill>
+        </p:spPr>
+        <p:style>
+          <a:lnRef idx="2">
+            <a:schemeClr val="accent1">
+              <a:shade val="15000"/>
+            </a:schemeClr>
+          </a:lnRef>
+          <a:fillRef idx="1">
+            <a:schemeClr val="accent1"/>
+          </a:fillRef>
+          <a:effectRef idx="0">
+            <a:schemeClr val="accent1"/>
+          </a:effectRef>
+          <a:fontRef idx="minor">
+            <a:schemeClr val="lt1"/>
+          </a:fontRef>
+        </p:style>
+        <p:txBody>
+          <a:bodyPr rtlCol="0" anchor="ctr"/>
+          <a:lstStyle/>
+          <a:p>
+            <a:pPr algn="ctr"/>
+            <a:endParaRPr lang="en-US"/>
+          </a:p>
+        </p:txBody>
+      </p:sp>
+      <p:pic>
+        <p:nvPicPr>
+          <p:cNvPr id="11" name="Picture 2" descr="Script Generic Detailed Outline icon | Freepik">
+            <a:extLst>
+              <a:ext uri="{FF2B5EF4-FFF2-40B4-BE49-F238E27FC236}">
+                <a16:creationId xmlns:a16="http://schemas.microsoft.com/office/drawing/2014/main" id="{895D20D2-F60B-F3E3-EE96-523276EB7807}"/>
+              </a:ext>
+            </a:extLst>
+          </p:cNvPr>
+          <p:cNvPicPr>
+            <a:picLocks noChangeAspect="1" noChangeArrowheads="1"/>
+          </p:cNvPicPr>
+          <p:nvPr/>
+        </p:nvPicPr>
+        <p:blipFill>
+          <a:blip r:embed="rId3">
+            <a:extLst>
+              <a:ext uri="{28A0092B-C50C-407E-A947-70E740481C1C}">
+                <a14:useLocalDpi xmlns:a14="http://schemas.microsoft.com/office/drawing/2010/main" val="0"/>
+              </a:ext>
+            </a:extLst>
+          </a:blip>
+          <a:srcRect/>
+          <a:stretch>
+            <a:fillRect/>
+          </a:stretch>
+        </p:blipFill>
+        <p:spPr bwMode="auto">
+          <a:xfrm>
+            <a:off x="7576227" y="4796993"/>
+            <a:ext cx="1029795" cy="1029795"/>
+          </a:xfrm>
+          <a:prstGeom prst="rect">
+            <a:avLst/>
+          </a:prstGeom>
+          <a:noFill/>
+          <a:extLst>
+            <a:ext uri="{909E8E84-426E-40DD-AFC4-6F175D3DCCD1}">
+              <a14:hiddenFill xmlns:a14="http://schemas.microsoft.com/office/drawing/2010/main">
+                <a:solidFill>
+                  <a:srgbClr val="FFFFFF"/>
+                </a:solidFill>
+              </a14:hiddenFill>
+            </a:ext>
+          </a:extLst>
+        </p:spPr>
+      </p:pic>
+    </p:spTree>
+    <p:extLst>
+      <p:ext uri="{BB962C8B-B14F-4D97-AF65-F5344CB8AC3E}">
+        <p14:creationId xmlns:p14="http://schemas.microsoft.com/office/powerpoint/2010/main" val="2263513682"/>
+      </p:ext>
+    </p:extLst>
+  </p:cSld>
+  <p:clrMapOvr>
+    <a:masterClrMapping/>
+  </p:clrMapOvr>
+  <p:timing>
+    <p:tnLst>
+      <p:par>
+        <p:cTn id="1" dur="indefinite" restart="never" nodeType="tmRoot">
+          <p:childTnLst>
+            <p:seq concurrent="1" nextAc="seek">
+              <p:cTn id="2" dur="indefinite" nodeType="mainSeq">
+                <p:childTnLst>
+                  <p:par>
+                    <p:cTn id="3" fill="hold">
+                      <p:stCondLst>
+                        <p:cond delay="indefinite"/>
+                      </p:stCondLst>
+                      <p:childTnLst>
+                        <p:par>
+                          <p:cTn id="4" fill="hold">
+                            <p:stCondLst>
+                              <p:cond delay="0"/>
+                            </p:stCondLst>
+                            <p:childTnLst>
+                              <p:par>
+                                <p:cTn id="5" presetID="22" presetClass="entr" presetSubtype="8" fill="hold" grpId="0" nodeType="clickEffect">
+                                  <p:stCondLst>
+                                    <p:cond delay="0"/>
+                                  </p:stCondLst>
+                                  <p:childTnLst>
+                                    <p:set>
+                                      <p:cBhvr>
+                                        <p:cTn id="6" dur="1" fill="hold">
+                                          <p:stCondLst>
+                                            <p:cond delay="0"/>
+                                          </p:stCondLst>
+                                        </p:cTn>
+                                        <p:tgtEl>
+                                          <p:spTgt spid="10"/>
+                                        </p:tgtEl>
+                                        <p:attrNameLst>
+                                          <p:attrName>style.visibility</p:attrName>
+                                        </p:attrNameLst>
+                                      </p:cBhvr>
+                                      <p:to>
+                                        <p:strVal val="visible"/>
+                                      </p:to>
+                                    </p:set>
+                                    <p:animEffect transition="in" filter="wipe(left)">
+                                      <p:cBhvr>
+                                        <p:cTn id="7" dur="500"/>
+                                        <p:tgtEl>
+                                          <p:spTgt spid="10"/>
+                                        </p:tgtEl>
+                                      </p:cBhvr>
+                                    </p:animEffect>
+                                  </p:childTnLst>
+                                </p:cTn>
+                              </p:par>
+                            </p:childTnLst>
+                          </p:cTn>
+                        </p:par>
+                        <p:par>
+                          <p:cTn id="8" fill="hold">
+                            <p:stCondLst>
+                              <p:cond delay="500"/>
+                            </p:stCondLst>
+                            <p:childTnLst>
+                              <p:par>
+                                <p:cTn id="9" presetID="22" presetClass="entr" presetSubtype="8" fill="hold" nodeType="afterEffect">
+                                  <p:stCondLst>
+                                    <p:cond delay="0"/>
+                                  </p:stCondLst>
+                                  <p:childTnLst>
+                                    <p:set>
+                                      <p:cBhvr>
+                                        <p:cTn id="10" dur="1" fill="hold">
+                                          <p:stCondLst>
+                                            <p:cond delay="0"/>
+                                          </p:stCondLst>
+                                        </p:cTn>
+                                        <p:tgtEl>
+                                          <p:spTgt spid="3074"/>
+                                        </p:tgtEl>
+                                        <p:attrNameLst>
+                                          <p:attrName>style.visibility</p:attrName>
+                                        </p:attrNameLst>
+                                      </p:cBhvr>
+                                      <p:to>
+                                        <p:strVal val="visible"/>
+                                      </p:to>
+                                    </p:set>
+                                    <p:animEffect transition="in" filter="wipe(left)">
+                                      <p:cBhvr>
+                                        <p:cTn id="11" dur="500"/>
+                                        <p:tgtEl>
+                                          <p:spTgt spid="3074"/>
+                                        </p:tgtEl>
+                                      </p:cBhvr>
+                                    </p:animEffect>
+                                  </p:childTnLst>
+                                </p:cTn>
+                              </p:par>
+                            </p:childTnLst>
+                          </p:cTn>
+                        </p:par>
+                      </p:childTnLst>
+                    </p:cTn>
+                  </p:par>
+                </p:childTnLst>
+              </p:cTn>
+              <p:prevCondLst>
+                <p:cond evt="onPrev" delay="0">
+                  <p:tgtEl>
+                    <p:sldTgt/>
+                  </p:tgtEl>
+                </p:cond>
+              </p:prevCondLst>
+              <p:nextCondLst>
+                <p:cond evt="onNext" delay="0">
+                  <p:tgtEl>
+                    <p:sldTgt/>
+                  </p:tgtEl>
+                </p:cond>
+              </p:nextCondLst>
+            </p:seq>
+          </p:childTnLst>
+        </p:cTn>
+      </p:par>
+    </p:tnLst>
+    <p:bldLst>
+      <p:bldP spid="10" grpId="0" animBg="1"/>
+    </p:bldLst>
+  </p:timing>
+</p:sld>
+</file>
+
+<file path=ppt/slides/slide4.xml><?xml version="1.0" encoding="utf-8"?>
 <p:sld xmlns:a="http://schemas.openxmlformats.org/drawingml/2006/main" xmlns:r="http://schemas.openxmlformats.org/officeDocument/2006/relationships" xmlns:p="http://schemas.openxmlformats.org/presentationml/2006/main">
   <p:cSld>
     <p:spTree>
@@ -7143,7 +7787,7 @@
 </p:sld>
 </file>
 
-<file path=ppt/slides/slide3.xml><?xml version="1.0" encoding="utf-8"?>
+<file path=ppt/slides/slide5.xml><?xml version="1.0" encoding="utf-8"?>
 <p:sld xmlns:a="http://schemas.openxmlformats.org/drawingml/2006/main" xmlns:r="http://schemas.openxmlformats.org/officeDocument/2006/relationships" xmlns:p="http://schemas.openxmlformats.org/presentationml/2006/main">
   <p:cSld>
     <p:spTree>
@@ -7836,7 +8480,7 @@
 </p:sld>
 </file>
 
-<file path=ppt/slides/slide4.xml><?xml version="1.0" encoding="utf-8"?>
+<file path=ppt/slides/slide6.xml><?xml version="1.0" encoding="utf-8"?>
 <p:sld xmlns:a="http://schemas.openxmlformats.org/drawingml/2006/main" xmlns:r="http://schemas.openxmlformats.org/officeDocument/2006/relationships" xmlns:p="http://schemas.openxmlformats.org/presentationml/2006/main">
   <p:cSld>
     <p:spTree>
@@ -9904,7 +10548,7 @@
 </p:sld>
 </file>
 
-<file path=ppt/slides/slide5.xml><?xml version="1.0" encoding="utf-8"?>
+<file path=ppt/slides/slide7.xml><?xml version="1.0" encoding="utf-8"?>
 <p:sld xmlns:a="http://schemas.openxmlformats.org/drawingml/2006/main" xmlns:r="http://schemas.openxmlformats.org/officeDocument/2006/relationships" xmlns:p="http://schemas.openxmlformats.org/presentationml/2006/main">
   <p:cSld>
     <p:spTree>
@@ -9964,7 +10608,7 @@
 </p:sld>
 </file>
 
-<file path=ppt/slides/slide6.xml><?xml version="1.0" encoding="utf-8"?>
+<file path=ppt/slides/slide8.xml><?xml version="1.0" encoding="utf-8"?>
 <p:sld xmlns:a="http://schemas.openxmlformats.org/drawingml/2006/main" xmlns:r="http://schemas.openxmlformats.org/officeDocument/2006/relationships" xmlns:p="http://schemas.openxmlformats.org/presentationml/2006/main">
   <p:cSld>
     <p:spTree>
